--- a/ppt/SE2020-G06-小组预备作业.pptx
+++ b/ppt/SE2020-G06-小组预备作业.pptx
@@ -5,7 +5,7 @@
     <p:sldMasterId id="2147483648" r:id="rId1"/>
   </p:sldMasterIdLst>
   <p:notesMasterIdLst>
-    <p:notesMasterId r:id="rId21"/>
+    <p:notesMasterId r:id="rId22"/>
   </p:notesMasterIdLst>
   <p:sldIdLst>
     <p:sldId id="259" r:id="rId3"/>
@@ -14,18 +14,19 @@
     <p:sldId id="295" r:id="rId6"/>
     <p:sldId id="273" r:id="rId7"/>
     <p:sldId id="274" r:id="rId8"/>
-    <p:sldId id="267" r:id="rId9"/>
-    <p:sldId id="276" r:id="rId10"/>
-    <p:sldId id="268" r:id="rId11"/>
-    <p:sldId id="280" r:id="rId12"/>
-    <p:sldId id="269" r:id="rId13"/>
-    <p:sldId id="283" r:id="rId14"/>
-    <p:sldId id="294" r:id="rId15"/>
-    <p:sldId id="270" r:id="rId16"/>
-    <p:sldId id="285" r:id="rId17"/>
-    <p:sldId id="271" r:id="rId18"/>
-    <p:sldId id="277" r:id="rId19"/>
-    <p:sldId id="272" r:id="rId20"/>
+    <p:sldId id="310" r:id="rId9"/>
+    <p:sldId id="267" r:id="rId10"/>
+    <p:sldId id="276" r:id="rId11"/>
+    <p:sldId id="268" r:id="rId12"/>
+    <p:sldId id="280" r:id="rId13"/>
+    <p:sldId id="269" r:id="rId14"/>
+    <p:sldId id="283" r:id="rId15"/>
+    <p:sldId id="294" r:id="rId16"/>
+    <p:sldId id="270" r:id="rId17"/>
+    <p:sldId id="285" r:id="rId18"/>
+    <p:sldId id="271" r:id="rId19"/>
+    <p:sldId id="277" r:id="rId20"/>
+    <p:sldId id="272" r:id="rId21"/>
   </p:sldIdLst>
   <p:sldSz cx="12192000" cy="6858000"/>
   <p:notesSz cx="6858000" cy="9144000"/>
@@ -1321,39 +1322,6 @@
       </p:sp>
       <p:sp>
         <p:nvSpPr>
-          <p:cNvPr id="12" name="矩形 11"/>
-          <p:cNvSpPr/>
-          <p:nvPr/>
-        </p:nvSpPr>
-        <p:spPr>
-          <a:xfrm>
-            <a:off x="4841259" y="5922671"/>
-            <a:ext cx="2145030" cy="368300"/>
-          </a:xfrm>
-          <a:prstGeom prst="rect">
-            <a:avLst/>
-          </a:prstGeom>
-        </p:spPr>
-        <p:txBody>
-          <a:bodyPr wrap="none">
-            <a:spAutoFit/>
-          </a:bodyPr>
-          <a:lstStyle/>
-          <a:p>
-            <a:r>
-              <a:rPr lang="en-US" altLang="zh-CN" dirty="0"/>
-              <a:t>PRESENTED BY </a:t>
-            </a:r>
-            <a:r>
-              <a:rPr lang="en-US" altLang="zh-CN" dirty="0" smtClean="0"/>
-              <a:t>G06</a:t>
-            </a:r>
-            <a:endParaRPr lang="en-US" altLang="zh-CN" dirty="0"/>
-          </a:p>
-        </p:txBody>
-      </p:sp>
-      <p:sp>
-        <p:nvSpPr>
           <p:cNvPr id="14" name="矩形 13"/>
           <p:cNvSpPr/>
           <p:nvPr/>
@@ -1399,33 +1367,65 @@
           <a:p>
             <a:pPr algn="ctr"/>
             <a:r>
-              <a:rPr lang="zh-CN" altLang="en-US" sz="1400" dirty="0" smtClean="0">
+              <a:rPr lang="zh-CN" altLang="en-US" sz="2400" dirty="0" smtClean="0">
+                <a:ln/>
                 <a:solidFill>
                   <a:schemeClr val="tx1"/>
                 </a:solidFill>
+                <a:effectLst>
+                  <a:outerShdw blurRad="38100" dist="19050" dir="2700000" algn="tl" rotWithShape="0">
+                    <a:schemeClr val="dk1">
+                      <a:alpha val="40000"/>
+                    </a:schemeClr>
+                  </a:outerShdw>
+                </a:effectLst>
               </a:rPr>
               <a:t>报告人：</a:t>
             </a:r>
             <a:r>
-              <a:rPr lang="en-US" sz="1400" dirty="0" smtClean="0">
+              <a:rPr lang="en-US" sz="2400" dirty="0" smtClean="0">
+                <a:ln/>
                 <a:solidFill>
                   <a:schemeClr val="tx1"/>
                 </a:solidFill>
+                <a:effectLst>
+                  <a:outerShdw blurRad="38100" dist="19050" dir="2700000" algn="tl" rotWithShape="0">
+                    <a:schemeClr val="dk1">
+                      <a:alpha val="40000"/>
+                    </a:schemeClr>
+                  </a:outerShdw>
+                </a:effectLst>
               </a:rPr>
               <a:t>G06</a:t>
             </a:r>
             <a:r>
-              <a:rPr lang="zh-CN" altLang="en-US" sz="1400" dirty="0" smtClean="0">
+              <a:rPr lang="zh-CN" altLang="en-US" sz="2400" dirty="0" smtClean="0">
+                <a:ln/>
                 <a:solidFill>
                   <a:schemeClr val="tx1"/>
                 </a:solidFill>
+                <a:effectLst>
+                  <a:outerShdw blurRad="38100" dist="19050" dir="2700000" algn="tl" rotWithShape="0">
+                    <a:schemeClr val="dk1">
+                      <a:alpha val="40000"/>
+                    </a:schemeClr>
+                  </a:outerShdw>
+                </a:effectLst>
               </a:rPr>
               <a:t>小组</a:t>
             </a:r>
-            <a:endParaRPr lang="zh-CN" altLang="en-US" sz="1400" dirty="0" smtClean="0">
+            <a:endParaRPr lang="zh-CN" altLang="en-US" sz="2400" dirty="0" smtClean="0">
+              <a:ln/>
               <a:solidFill>
                 <a:schemeClr val="tx1"/>
               </a:solidFill>
+              <a:effectLst>
+                <a:outerShdw blurRad="38100" dist="19050" dir="2700000" algn="tl" rotWithShape="0">
+                  <a:schemeClr val="dk1">
+                    <a:alpha val="40000"/>
+                  </a:schemeClr>
+                </a:outerShdw>
+              </a:effectLst>
             </a:endParaRPr>
           </a:p>
         </p:txBody>
@@ -1487,6 +1487,207 @@
 </file>
 
 <file path=ppt/slides/slide10.xml><?xml version="1.0" encoding="utf-8"?>
+<p:sld xmlns:a="http://schemas.openxmlformats.org/drawingml/2006/main" xmlns:r="http://schemas.openxmlformats.org/officeDocument/2006/relationships" xmlns:p="http://schemas.openxmlformats.org/presentationml/2006/main">
+  <p:cSld>
+    <p:spTree>
+      <p:nvGrpSpPr>
+        <p:cNvPr id="1" name=""/>
+        <p:cNvGrpSpPr/>
+        <p:nvPr/>
+      </p:nvGrpSpPr>
+      <p:grpSpPr>
+        <a:xfrm>
+          <a:off x="0" y="0"/>
+          <a:ext cx="0" cy="0"/>
+          <a:chOff x="0" y="0"/>
+          <a:chExt cx="0" cy="0"/>
+        </a:xfrm>
+      </p:grpSpPr>
+      <p:sp>
+        <p:nvSpPr>
+          <p:cNvPr id="2" name="文本框 1"/>
+          <p:cNvSpPr txBox="1"/>
+          <p:nvPr/>
+        </p:nvSpPr>
+        <p:spPr>
+          <a:xfrm>
+            <a:off x="4294927" y="3280457"/>
+            <a:ext cx="3602146" cy="880306"/>
+          </a:xfrm>
+          <a:prstGeom prst="rect">
+            <a:avLst/>
+          </a:prstGeom>
+          <a:noFill/>
+        </p:spPr>
+        <p:txBody>
+          <a:bodyPr wrap="square" rtlCol="0">
+            <a:spAutoFit/>
+          </a:bodyPr>
+          <a:lstStyle/>
+          <a:p>
+            <a:pPr algn="ctr" defTabSz="608965">
+              <a:lnSpc>
+                <a:spcPct val="130000"/>
+              </a:lnSpc>
+            </a:pPr>
+            <a:r>
+              <a:rPr lang="en-US" altLang="zh-CN" sz="4400" b="1" dirty="0">
+                <a:latin typeface="+mj-lt"/>
+                <a:ea typeface="微软雅黑" panose="020B0503020204020204" charset="-122"/>
+              </a:rPr>
+              <a:t>PART</a:t>
+            </a:r>
+            <a:r>
+              <a:rPr lang="zh-CN" altLang="en-US" sz="4400" b="1" dirty="0">
+                <a:latin typeface="+mj-lt"/>
+                <a:ea typeface="微软雅黑" panose="020B0503020204020204" charset="-122"/>
+              </a:rPr>
+              <a:t> </a:t>
+            </a:r>
+            <a:r>
+              <a:rPr lang="en-US" altLang="zh-CN" sz="4400" b="1" dirty="0">
+                <a:latin typeface="+mj-lt"/>
+                <a:ea typeface="微软雅黑" panose="020B0503020204020204" charset="-122"/>
+              </a:rPr>
+              <a:t>THREE</a:t>
+            </a:r>
+            <a:endParaRPr lang="en-US" altLang="zh-CN" sz="4400" b="1" dirty="0">
+              <a:latin typeface="+mj-lt"/>
+              <a:ea typeface="微软雅黑" panose="020B0503020204020204" charset="-122"/>
+            </a:endParaRPr>
+          </a:p>
+        </p:txBody>
+      </p:sp>
+      <p:sp>
+        <p:nvSpPr>
+          <p:cNvPr id="3" name="文本框 2"/>
+          <p:cNvSpPr txBox="1"/>
+          <p:nvPr/>
+        </p:nvSpPr>
+        <p:spPr>
+          <a:xfrm>
+            <a:off x="3936733" y="2417412"/>
+            <a:ext cx="4318534" cy="1291590"/>
+          </a:xfrm>
+          <a:prstGeom prst="rect">
+            <a:avLst/>
+          </a:prstGeom>
+          <a:noFill/>
+        </p:spPr>
+        <p:txBody>
+          <a:bodyPr wrap="square" rtlCol="0">
+            <a:spAutoFit/>
+          </a:bodyPr>
+          <a:lstStyle/>
+          <a:p>
+            <a:pPr algn="ctr" defTabSz="608965">
+              <a:lnSpc>
+                <a:spcPct val="130000"/>
+              </a:lnSpc>
+            </a:pPr>
+            <a:r>
+              <a:rPr lang="zh-CN" altLang="en-US" sz="6000" dirty="0" smtClean="0">
+                <a:latin typeface="+mj-lt"/>
+                <a:ea typeface="微软雅黑" panose="020B0503020204020204" charset="-122"/>
+              </a:rPr>
+              <a:t>功能导图</a:t>
+            </a:r>
+            <a:endParaRPr lang="zh-CN" altLang="en-US" sz="6000" dirty="0">
+              <a:latin typeface="+mj-lt"/>
+              <a:ea typeface="微软雅黑" panose="020B0503020204020204" charset="-122"/>
+            </a:endParaRPr>
+          </a:p>
+        </p:txBody>
+      </p:sp>
+      <p:sp>
+        <p:nvSpPr>
+          <p:cNvPr id="4" name="矩形 3"/>
+          <p:cNvSpPr/>
+          <p:nvPr/>
+        </p:nvSpPr>
+        <p:spPr>
+          <a:xfrm>
+            <a:off x="4889817" y="4139690"/>
+            <a:ext cx="2412366" cy="113341"/>
+          </a:xfrm>
+          <a:prstGeom prst="rect">
+            <a:avLst/>
+          </a:prstGeom>
+          <a:solidFill>
+            <a:srgbClr val="FFFF00"/>
+          </a:solidFill>
+          <a:ln>
+            <a:noFill/>
+          </a:ln>
+        </p:spPr>
+        <p:style>
+          <a:lnRef idx="2">
+            <a:schemeClr val="accent1">
+              <a:shade val="50000"/>
+            </a:schemeClr>
+          </a:lnRef>
+          <a:fillRef idx="1">
+            <a:schemeClr val="accent1"/>
+          </a:fillRef>
+          <a:effectRef idx="0">
+            <a:schemeClr val="accent1"/>
+          </a:effectRef>
+          <a:fontRef idx="minor">
+            <a:schemeClr val="lt1"/>
+          </a:fontRef>
+        </p:style>
+        <p:txBody>
+          <a:bodyPr rot="0" spcFirstLastPara="0" vertOverflow="overflow" horzOverflow="overflow" vert="horz" wrap="square" lIns="91440" tIns="45720" rIns="91440" bIns="45720" numCol="1" spcCol="0" rtlCol="0" fromWordArt="0" anchor="ctr" anchorCtr="0" forceAA="0" compatLnSpc="1">
+            <a:noAutofit/>
+          </a:bodyPr>
+          <a:lstStyle/>
+          <a:p>
+            <a:pPr algn="ctr"/>
+            <a:endParaRPr lang="zh-CN" altLang="en-US" sz="4400"/>
+          </a:p>
+        </p:txBody>
+      </p:sp>
+      <p:sp>
+        <p:nvSpPr>
+          <p:cNvPr id="5" name="矩形 4"/>
+          <p:cNvSpPr/>
+          <p:nvPr/>
+        </p:nvSpPr>
+        <p:spPr>
+          <a:xfrm>
+            <a:off x="0" y="60523"/>
+            <a:ext cx="1249680" cy="306705"/>
+          </a:xfrm>
+          <a:prstGeom prst="rect">
+            <a:avLst/>
+          </a:prstGeom>
+        </p:spPr>
+        <p:txBody>
+          <a:bodyPr wrap="none">
+            <a:spAutoFit/>
+          </a:bodyPr>
+          <a:lstStyle/>
+          <a:p>
+            <a:r>
+              <a:rPr lang="zh-CN" sz="1400" b="1" dirty="0"/>
+              <a:t>浙大城市学院</a:t>
+            </a:r>
+            <a:endParaRPr lang="zh-CN" sz="1400" b="1" dirty="0"/>
+          </a:p>
+        </p:txBody>
+      </p:sp>
+    </p:spTree>
+  </p:cSld>
+  <p:clrMapOvr>
+    <a:masterClrMapping/>
+  </p:clrMapOvr>
+  <p:transition spd="slow">
+    <p:push dir="u"/>
+  </p:transition>
+</p:sld>
+</file>
+
+<file path=ppt/slides/slide11.xml><?xml version="1.0" encoding="utf-8"?>
 <p:sld xmlns:a="http://schemas.openxmlformats.org/drawingml/2006/main" xmlns:r="http://schemas.openxmlformats.org/officeDocument/2006/relationships" xmlns:p="http://schemas.openxmlformats.org/presentationml/2006/main">
   <p:cSld>
     <p:spTree>
@@ -2028,7 +2229,7 @@
 </p:sld>
 </file>
 
-<file path=ppt/slides/slide11.xml><?xml version="1.0" encoding="utf-8"?>
+<file path=ppt/slides/slide12.xml><?xml version="1.0" encoding="utf-8"?>
 <p:sld xmlns:a="http://schemas.openxmlformats.org/drawingml/2006/main" xmlns:r="http://schemas.openxmlformats.org/officeDocument/2006/relationships" xmlns:p="http://schemas.openxmlformats.org/presentationml/2006/main">
   <p:cSld>
     <p:spTree>
@@ -2215,7 +2416,7 @@
 </p:sld>
 </file>
 
-<file path=ppt/slides/slide12.xml><?xml version="1.0" encoding="utf-8"?>
+<file path=ppt/slides/slide13.xml><?xml version="1.0" encoding="utf-8"?>
 <p:sld xmlns:a="http://schemas.openxmlformats.org/drawingml/2006/main" xmlns:r="http://schemas.openxmlformats.org/officeDocument/2006/relationships" xmlns:p="http://schemas.openxmlformats.org/presentationml/2006/main">
   <p:cSld>
     <p:spTree>
@@ -4086,7 +4287,7 @@
 </p:sld>
 </file>
 
-<file path=ppt/slides/slide13.xml><?xml version="1.0" encoding="utf-8"?>
+<file path=ppt/slides/slide14.xml><?xml version="1.0" encoding="utf-8"?>
 <p:sld xmlns:a="http://schemas.openxmlformats.org/drawingml/2006/main" xmlns:r="http://schemas.openxmlformats.org/officeDocument/2006/relationships" xmlns:p="http://schemas.openxmlformats.org/presentationml/2006/main">
   <p:cSld>
     <p:spTree>
@@ -5509,7 +5710,7 @@
 </p:sld>
 </file>
 
-<file path=ppt/slides/slide14.xml><?xml version="1.0" encoding="utf-8"?>
+<file path=ppt/slides/slide15.xml><?xml version="1.0" encoding="utf-8"?>
 <p:sld xmlns:a="http://schemas.openxmlformats.org/drawingml/2006/main" xmlns:r="http://schemas.openxmlformats.org/officeDocument/2006/relationships" xmlns:p="http://schemas.openxmlformats.org/presentationml/2006/main">
   <p:cSld>
     <p:spTree>
@@ -5696,7 +5897,7 @@
 </p:sld>
 </file>
 
-<file path=ppt/slides/slide15.xml><?xml version="1.0" encoding="utf-8"?>
+<file path=ppt/slides/slide16.xml><?xml version="1.0" encoding="utf-8"?>
 <p:sld xmlns:a="http://schemas.openxmlformats.org/drawingml/2006/main" xmlns:r="http://schemas.openxmlformats.org/officeDocument/2006/relationships" xmlns:p="http://schemas.openxmlformats.org/presentationml/2006/main">
   <p:cSld>
     <p:spTree>
@@ -9163,7 +9364,7 @@
 </p:sld>
 </file>
 
-<file path=ppt/slides/slide16.xml><?xml version="1.0" encoding="utf-8"?>
+<file path=ppt/slides/slide17.xml><?xml version="1.0" encoding="utf-8"?>
 <p:sld xmlns:a="http://schemas.openxmlformats.org/drawingml/2006/main" xmlns:r="http://schemas.openxmlformats.org/officeDocument/2006/relationships" xmlns:p="http://schemas.openxmlformats.org/presentationml/2006/main">
   <p:cSld>
     <p:spTree>
@@ -9350,7 +9551,7 @@
 </p:sld>
 </file>
 
-<file path=ppt/slides/slide17.xml><?xml version="1.0" encoding="utf-8"?>
+<file path=ppt/slides/slide18.xml><?xml version="1.0" encoding="utf-8"?>
 <p:sld xmlns:a="http://schemas.openxmlformats.org/drawingml/2006/main" xmlns:r="http://schemas.openxmlformats.org/officeDocument/2006/relationships" xmlns:p="http://schemas.openxmlformats.org/presentationml/2006/main">
   <p:cSld>
     <p:spTree>
@@ -9384,7 +9585,7 @@
         </p:blipFill>
         <p:spPr>
           <a:xfrm>
-            <a:off x="937436" y="1368423"/>
+            <a:off x="937436" y="1049653"/>
             <a:ext cx="2534710" cy="2534710"/>
           </a:xfrm>
           <a:prstGeom prst="ellipse">
@@ -9409,7 +9610,7 @@
         </p:blipFill>
         <p:spPr>
           <a:xfrm>
-            <a:off x="4828645" y="1368423"/>
+            <a:off x="4828645" y="1049653"/>
             <a:ext cx="2534710" cy="2534710"/>
           </a:xfrm>
           <a:prstGeom prst="ellipse">
@@ -9434,7 +9635,7 @@
         </p:blipFill>
         <p:spPr>
           <a:xfrm>
-            <a:off x="8719854" y="1368423"/>
+            <a:off x="8719854" y="1049653"/>
             <a:ext cx="2534710" cy="2534710"/>
           </a:xfrm>
           <a:prstGeom prst="ellipse">
@@ -9450,7 +9651,7 @@
         </p:nvSpPr>
         <p:spPr>
           <a:xfrm>
-            <a:off x="1380805" y="4055548"/>
+            <a:off x="1380805" y="3736778"/>
             <a:ext cx="1554480" cy="645160"/>
           </a:xfrm>
           <a:prstGeom prst="rect">
@@ -9479,8 +9680,8 @@
         </p:nvSpPr>
         <p:spPr>
           <a:xfrm>
-            <a:off x="347345" y="4909820"/>
-            <a:ext cx="3778250" cy="1050925"/>
+            <a:off x="347345" y="4654550"/>
+            <a:ext cx="3778250" cy="1691005"/>
           </a:xfrm>
           <a:prstGeom prst="rect">
             <a:avLst/>
@@ -9507,9 +9708,133 @@
                 <a:latin typeface="微软雅黑" panose="020B0503020204020204" charset="-122"/>
                 <a:ea typeface="微软雅黑" panose="020B0503020204020204" charset="-122"/>
               </a:rPr>
-              <a:t>组长，负责软件开发测试负责增强小组凝聚力，协调小组成员矛盾，带领团队团结一致向前冲。负责PPT的制作。</a:t>
+              <a:t>组长</a:t>
             </a:r>
             <a:endParaRPr sz="1600" dirty="0">
+              <a:solidFill>
+                <a:schemeClr val="bg1">
+                  <a:lumMod val="50000"/>
+                </a:schemeClr>
+              </a:solidFill>
+              <a:latin typeface="微软雅黑" panose="020B0503020204020204" charset="-122"/>
+              <a:ea typeface="微软雅黑" panose="020B0503020204020204" charset="-122"/>
+            </a:endParaRPr>
+          </a:p>
+          <a:p>
+            <a:pPr lvl="0" algn="l">
+              <a:lnSpc>
+                <a:spcPct val="130000"/>
+              </a:lnSpc>
+            </a:pPr>
+            <a:r>
+              <a:rPr sz="1600" dirty="0">
+                <a:solidFill>
+                  <a:schemeClr val="bg1">
+                    <a:lumMod val="50000"/>
+                  </a:schemeClr>
+                </a:solidFill>
+                <a:latin typeface="微软雅黑" panose="020B0503020204020204" charset="-122"/>
+                <a:ea typeface="微软雅黑" panose="020B0503020204020204" charset="-122"/>
+              </a:rPr>
+              <a:t>协调小组成员矛盾</a:t>
+            </a:r>
+            <a:endParaRPr sz="1600" dirty="0">
+              <a:solidFill>
+                <a:schemeClr val="bg1">
+                  <a:lumMod val="50000"/>
+                </a:schemeClr>
+              </a:solidFill>
+              <a:latin typeface="微软雅黑" panose="020B0503020204020204" charset="-122"/>
+              <a:ea typeface="微软雅黑" panose="020B0503020204020204" charset="-122"/>
+            </a:endParaRPr>
+          </a:p>
+          <a:p>
+            <a:pPr lvl="0" algn="l">
+              <a:lnSpc>
+                <a:spcPct val="130000"/>
+              </a:lnSpc>
+            </a:pPr>
+            <a:r>
+              <a:rPr sz="1600" dirty="0">
+                <a:solidFill>
+                  <a:schemeClr val="bg1">
+                    <a:lumMod val="50000"/>
+                  </a:schemeClr>
+                </a:solidFill>
+                <a:latin typeface="微软雅黑" panose="020B0503020204020204" charset="-122"/>
+                <a:ea typeface="微软雅黑" panose="020B0503020204020204" charset="-122"/>
+              </a:rPr>
+              <a:t>带领团队团结一致向前冲</a:t>
+            </a:r>
+            <a:endParaRPr sz="1600" dirty="0">
+              <a:solidFill>
+                <a:schemeClr val="bg1">
+                  <a:lumMod val="50000"/>
+                </a:schemeClr>
+              </a:solidFill>
+              <a:latin typeface="微软雅黑" panose="020B0503020204020204" charset="-122"/>
+              <a:ea typeface="微软雅黑" panose="020B0503020204020204" charset="-122"/>
+            </a:endParaRPr>
+          </a:p>
+          <a:p>
+            <a:pPr lvl="0" algn="l">
+              <a:lnSpc>
+                <a:spcPct val="130000"/>
+              </a:lnSpc>
+            </a:pPr>
+            <a:r>
+              <a:rPr sz="1600" dirty="0">
+                <a:solidFill>
+                  <a:schemeClr val="bg1">
+                    <a:lumMod val="50000"/>
+                  </a:schemeClr>
+                </a:solidFill>
+                <a:latin typeface="微软雅黑" panose="020B0503020204020204" charset="-122"/>
+                <a:ea typeface="微软雅黑" panose="020B0503020204020204" charset="-122"/>
+              </a:rPr>
+              <a:t>负责PPT的制作</a:t>
+            </a:r>
+            <a:r>
+              <a:rPr lang="zh-CN" sz="1600" dirty="0">
+                <a:solidFill>
+                  <a:schemeClr val="bg1">
+                    <a:lumMod val="50000"/>
+                  </a:schemeClr>
+                </a:solidFill>
+                <a:latin typeface="微软雅黑" panose="020B0503020204020204" charset="-122"/>
+                <a:ea typeface="微软雅黑" panose="020B0503020204020204" charset="-122"/>
+              </a:rPr>
+              <a:t>和一部分的资料查找</a:t>
+            </a:r>
+            <a:endParaRPr lang="zh-CN" sz="1600" dirty="0">
+              <a:solidFill>
+                <a:schemeClr val="bg1">
+                  <a:lumMod val="50000"/>
+                </a:schemeClr>
+              </a:solidFill>
+              <a:latin typeface="微软雅黑" panose="020B0503020204020204" charset="-122"/>
+              <a:ea typeface="微软雅黑" panose="020B0503020204020204" charset="-122"/>
+            </a:endParaRPr>
+          </a:p>
+          <a:p>
+            <a:pPr lvl="0" algn="l">
+              <a:lnSpc>
+                <a:spcPct val="130000"/>
+              </a:lnSpc>
+            </a:pPr>
+            <a:r>
+              <a:rPr lang="zh-CN" sz="1600" dirty="0">
+                <a:solidFill>
+                  <a:schemeClr val="bg1">
+                    <a:lumMod val="50000"/>
+                  </a:schemeClr>
+                </a:solidFill>
+                <a:latin typeface="微软雅黑" panose="020B0503020204020204" charset="-122"/>
+                <a:ea typeface="微软雅黑" panose="020B0503020204020204" charset="-122"/>
+              </a:rPr>
+              <a:t>负责制定下一步的项目计划</a:t>
+            </a:r>
+            <a:endParaRPr lang="zh-CN" sz="1600" dirty="0">
               <a:solidFill>
                 <a:schemeClr val="bg1">
                   <a:lumMod val="50000"/>
@@ -9531,7 +9856,7 @@
         </p:nvGrpSpPr>
         <p:grpSpPr bwMode="auto">
           <a:xfrm>
-            <a:off x="5649892" y="2386500"/>
+            <a:off x="5649892" y="2067730"/>
             <a:ext cx="907982" cy="644666"/>
             <a:chOff x="1407" y="1098"/>
             <a:chExt cx="800" cy="568"/>
@@ -11274,7 +11599,7 @@
         </p:nvGrpSpPr>
         <p:grpSpPr bwMode="auto">
           <a:xfrm>
-            <a:off x="1822608" y="2391040"/>
+            <a:off x="1822608" y="2072270"/>
             <a:ext cx="754758" cy="642396"/>
             <a:chOff x="515" y="3088"/>
             <a:chExt cx="665" cy="566"/>
@@ -12933,7 +13258,7 @@
         </p:nvGrpSpPr>
         <p:grpSpPr bwMode="auto">
           <a:xfrm>
-            <a:off x="9565129" y="2329751"/>
+            <a:off x="9565129" y="2010981"/>
             <a:ext cx="907980" cy="644666"/>
             <a:chOff x="4354" y="1098"/>
             <a:chExt cx="800" cy="568"/>
@@ -14589,7 +14914,7 @@
         </p:blipFill>
         <p:spPr>
           <a:xfrm>
-            <a:off x="1581150" y="1978660"/>
+            <a:off x="1581150" y="1659890"/>
             <a:ext cx="1310005" cy="1314450"/>
           </a:xfrm>
           <a:prstGeom prst="rect">
@@ -14605,8 +14930,8 @@
         </p:nvSpPr>
         <p:spPr>
           <a:xfrm>
-            <a:off x="4145915" y="4909820"/>
-            <a:ext cx="3778250" cy="1050925"/>
+            <a:off x="4145915" y="4654550"/>
+            <a:ext cx="3778250" cy="1691005"/>
           </a:xfrm>
           <a:prstGeom prst="rect">
             <a:avLst/>
@@ -14632,7 +14957,180 @@
                 <a:latin typeface="微软雅黑" panose="020B0503020204020204" charset="-122"/>
                 <a:ea typeface="微软雅黑" panose="020B0503020204020204" charset="-122"/>
               </a:rPr>
-              <a:t>团队核心，项目骨干成员，负责软件前后端的开发，资料查找和小组文档的编写。团队吉祥物。</a:t>
+              <a:t>团队核心</a:t>
+            </a:r>
+            <a:endParaRPr sz="1600" dirty="0">
+              <a:solidFill>
+                <a:schemeClr val="bg1">
+                  <a:lumMod val="50000"/>
+                </a:schemeClr>
+              </a:solidFill>
+              <a:latin typeface="微软雅黑" panose="020B0503020204020204" charset="-122"/>
+              <a:ea typeface="微软雅黑" panose="020B0503020204020204" charset="-122"/>
+            </a:endParaRPr>
+          </a:p>
+          <a:p>
+            <a:pPr lvl="0" algn="l">
+              <a:lnSpc>
+                <a:spcPct val="130000"/>
+              </a:lnSpc>
+            </a:pPr>
+            <a:r>
+              <a:rPr sz="1600" dirty="0">
+                <a:solidFill>
+                  <a:schemeClr val="bg1">
+                    <a:lumMod val="50000"/>
+                  </a:schemeClr>
+                </a:solidFill>
+                <a:latin typeface="微软雅黑" panose="020B0503020204020204" charset="-122"/>
+                <a:ea typeface="微软雅黑" panose="020B0503020204020204" charset="-122"/>
+              </a:rPr>
+              <a:t>项目骨干成员</a:t>
+            </a:r>
+            <a:endParaRPr sz="1600" dirty="0">
+              <a:solidFill>
+                <a:schemeClr val="bg1">
+                  <a:lumMod val="50000"/>
+                </a:schemeClr>
+              </a:solidFill>
+              <a:latin typeface="微软雅黑" panose="020B0503020204020204" charset="-122"/>
+              <a:ea typeface="微软雅黑" panose="020B0503020204020204" charset="-122"/>
+            </a:endParaRPr>
+          </a:p>
+          <a:p>
+            <a:pPr lvl="0" algn="l">
+              <a:lnSpc>
+                <a:spcPct val="130000"/>
+              </a:lnSpc>
+            </a:pPr>
+            <a:r>
+              <a:rPr lang="zh-CN" sz="1600" dirty="0">
+                <a:solidFill>
+                  <a:schemeClr val="bg1">
+                    <a:lumMod val="50000"/>
+                  </a:schemeClr>
+                </a:solidFill>
+                <a:latin typeface="微软雅黑" panose="020B0503020204020204" charset="-122"/>
+                <a:ea typeface="微软雅黑" panose="020B0503020204020204" charset="-122"/>
+              </a:rPr>
+              <a:t>负责大部分的</a:t>
+            </a:r>
+            <a:r>
+              <a:rPr sz="1600" dirty="0">
+                <a:solidFill>
+                  <a:schemeClr val="bg1">
+                    <a:lumMod val="50000"/>
+                  </a:schemeClr>
+                </a:solidFill>
+                <a:latin typeface="微软雅黑" panose="020B0503020204020204" charset="-122"/>
+                <a:ea typeface="微软雅黑" panose="020B0503020204020204" charset="-122"/>
+              </a:rPr>
+              <a:t>资料查找</a:t>
+            </a:r>
+            <a:r>
+              <a:rPr lang="zh-CN" sz="1600" dirty="0">
+                <a:solidFill>
+                  <a:schemeClr val="bg1">
+                    <a:lumMod val="50000"/>
+                  </a:schemeClr>
+                </a:solidFill>
+                <a:latin typeface="微软雅黑" panose="020B0503020204020204" charset="-122"/>
+                <a:ea typeface="微软雅黑" panose="020B0503020204020204" charset="-122"/>
+              </a:rPr>
+              <a:t>和收集</a:t>
+            </a:r>
+            <a:endParaRPr lang="zh-CN" sz="1600" dirty="0">
+              <a:solidFill>
+                <a:schemeClr val="bg1">
+                  <a:lumMod val="50000"/>
+                </a:schemeClr>
+              </a:solidFill>
+              <a:latin typeface="微软雅黑" panose="020B0503020204020204" charset="-122"/>
+              <a:ea typeface="微软雅黑" panose="020B0503020204020204" charset="-122"/>
+            </a:endParaRPr>
+          </a:p>
+          <a:p>
+            <a:pPr lvl="0" algn="l">
+              <a:lnSpc>
+                <a:spcPct val="130000"/>
+              </a:lnSpc>
+            </a:pPr>
+            <a:r>
+              <a:rPr lang="zh-CN" sz="1600" dirty="0">
+                <a:solidFill>
+                  <a:schemeClr val="bg1">
+                    <a:lumMod val="50000"/>
+                  </a:schemeClr>
+                </a:solidFill>
+                <a:latin typeface="微软雅黑" panose="020B0503020204020204" charset="-122"/>
+                <a:ea typeface="微软雅黑" panose="020B0503020204020204" charset="-122"/>
+                <a:sym typeface="+mn-ea"/>
+              </a:rPr>
+              <a:t>确定并充分分析了项目的可行性</a:t>
+            </a:r>
+            <a:endParaRPr sz="1600" dirty="0">
+              <a:solidFill>
+                <a:schemeClr val="bg1">
+                  <a:lumMod val="50000"/>
+                </a:schemeClr>
+              </a:solidFill>
+              <a:latin typeface="微软雅黑" panose="020B0503020204020204" charset="-122"/>
+              <a:ea typeface="微软雅黑" panose="020B0503020204020204" charset="-122"/>
+            </a:endParaRPr>
+          </a:p>
+          <a:p>
+            <a:pPr lvl="0" algn="l">
+              <a:lnSpc>
+                <a:spcPct val="130000"/>
+              </a:lnSpc>
+            </a:pPr>
+            <a:r>
+              <a:rPr lang="zh-CN" sz="1600" dirty="0">
+                <a:solidFill>
+                  <a:schemeClr val="bg1">
+                    <a:lumMod val="50000"/>
+                  </a:schemeClr>
+                </a:solidFill>
+                <a:latin typeface="微软雅黑" panose="020B0503020204020204" charset="-122"/>
+                <a:ea typeface="微软雅黑" panose="020B0503020204020204" charset="-122"/>
+              </a:rPr>
+              <a:t>负责</a:t>
+            </a:r>
+            <a:r>
+              <a:rPr sz="1600" dirty="0">
+                <a:solidFill>
+                  <a:schemeClr val="bg1">
+                    <a:lumMod val="50000"/>
+                  </a:schemeClr>
+                </a:solidFill>
+                <a:latin typeface="微软雅黑" panose="020B0503020204020204" charset="-122"/>
+                <a:ea typeface="微软雅黑" panose="020B0503020204020204" charset="-122"/>
+              </a:rPr>
+              <a:t>小组</a:t>
+            </a:r>
+            <a:r>
+              <a:rPr lang="zh-CN" sz="1600" dirty="0">
+                <a:solidFill>
+                  <a:schemeClr val="bg1">
+                    <a:lumMod val="50000"/>
+                  </a:schemeClr>
+                </a:solidFill>
+                <a:latin typeface="微软雅黑" panose="020B0503020204020204" charset="-122"/>
+                <a:ea typeface="微软雅黑" panose="020B0503020204020204" charset="-122"/>
+              </a:rPr>
+              <a:t>报告</a:t>
+            </a:r>
+            <a:r>
+              <a:rPr sz="1600" dirty="0">
+                <a:solidFill>
+                  <a:schemeClr val="bg1">
+                    <a:lumMod val="50000"/>
+                  </a:schemeClr>
+                </a:solidFill>
+                <a:latin typeface="微软雅黑" panose="020B0503020204020204" charset="-122"/>
+                <a:ea typeface="微软雅黑" panose="020B0503020204020204" charset="-122"/>
+              </a:rPr>
+              <a:t>文档的编写</a:t>
             </a:r>
             <a:endParaRPr sz="1600" dirty="0">
               <a:solidFill>
@@ -14654,8 +15152,8 @@
         </p:nvSpPr>
         <p:spPr>
           <a:xfrm>
-            <a:off x="8155940" y="4909820"/>
-            <a:ext cx="3778250" cy="1370965"/>
+            <a:off x="8155940" y="4654550"/>
+            <a:ext cx="3778250" cy="1691005"/>
           </a:xfrm>
           <a:prstGeom prst="rect">
             <a:avLst/>
@@ -14682,9 +15180,133 @@
                 <a:latin typeface="微软雅黑" panose="020B0503020204020204" charset="-122"/>
                 <a:ea typeface="微软雅黑" panose="020B0503020204020204" charset="-122"/>
               </a:rPr>
-              <a:t>团队核心，项目骨干成员，负责软件功能的构思和软件导图的绘制，并对项目可行性进行分析。负责软件前后端的开发。</a:t>
+              <a:t>团队核心</a:t>
             </a:r>
             <a:endParaRPr sz="1600" dirty="0">
+              <a:solidFill>
+                <a:schemeClr val="bg1">
+                  <a:lumMod val="50000"/>
+                </a:schemeClr>
+              </a:solidFill>
+              <a:latin typeface="微软雅黑" panose="020B0503020204020204" charset="-122"/>
+              <a:ea typeface="微软雅黑" panose="020B0503020204020204" charset="-122"/>
+            </a:endParaRPr>
+          </a:p>
+          <a:p>
+            <a:pPr lvl="0" algn="l">
+              <a:lnSpc>
+                <a:spcPct val="130000"/>
+              </a:lnSpc>
+            </a:pPr>
+            <a:r>
+              <a:rPr sz="1600" dirty="0">
+                <a:solidFill>
+                  <a:schemeClr val="bg1">
+                    <a:lumMod val="50000"/>
+                  </a:schemeClr>
+                </a:solidFill>
+                <a:latin typeface="微软雅黑" panose="020B0503020204020204" charset="-122"/>
+                <a:ea typeface="微软雅黑" panose="020B0503020204020204" charset="-122"/>
+              </a:rPr>
+              <a:t>项目骨干成员</a:t>
+            </a:r>
+            <a:endParaRPr sz="1600" dirty="0">
+              <a:solidFill>
+                <a:schemeClr val="bg1">
+                  <a:lumMod val="50000"/>
+                </a:schemeClr>
+              </a:solidFill>
+              <a:latin typeface="微软雅黑" panose="020B0503020204020204" charset="-122"/>
+              <a:ea typeface="微软雅黑" panose="020B0503020204020204" charset="-122"/>
+            </a:endParaRPr>
+          </a:p>
+          <a:p>
+            <a:pPr lvl="0" algn="l">
+              <a:lnSpc>
+                <a:spcPct val="130000"/>
+              </a:lnSpc>
+            </a:pPr>
+            <a:r>
+              <a:rPr sz="1600" dirty="0">
+                <a:solidFill>
+                  <a:schemeClr val="bg1">
+                    <a:lumMod val="50000"/>
+                  </a:schemeClr>
+                </a:solidFill>
+                <a:latin typeface="微软雅黑" panose="020B0503020204020204" charset="-122"/>
+                <a:ea typeface="微软雅黑" panose="020B0503020204020204" charset="-122"/>
+              </a:rPr>
+              <a:t>负责软件功能的构思</a:t>
+            </a:r>
+            <a:endParaRPr sz="1600" dirty="0">
+              <a:solidFill>
+                <a:schemeClr val="bg1">
+                  <a:lumMod val="50000"/>
+                </a:schemeClr>
+              </a:solidFill>
+              <a:latin typeface="微软雅黑" panose="020B0503020204020204" charset="-122"/>
+              <a:ea typeface="微软雅黑" panose="020B0503020204020204" charset="-122"/>
+            </a:endParaRPr>
+          </a:p>
+          <a:p>
+            <a:pPr lvl="0" algn="l">
+              <a:lnSpc>
+                <a:spcPct val="130000"/>
+              </a:lnSpc>
+            </a:pPr>
+            <a:r>
+              <a:rPr lang="zh-CN" sz="1600" dirty="0">
+                <a:solidFill>
+                  <a:schemeClr val="bg1">
+                    <a:lumMod val="50000"/>
+                  </a:schemeClr>
+                </a:solidFill>
+                <a:latin typeface="微软雅黑" panose="020B0503020204020204" charset="-122"/>
+                <a:ea typeface="微软雅黑" panose="020B0503020204020204" charset="-122"/>
+              </a:rPr>
+              <a:t>负责</a:t>
+            </a:r>
+            <a:r>
+              <a:rPr sz="1600" dirty="0">
+                <a:solidFill>
+                  <a:schemeClr val="bg1">
+                    <a:lumMod val="50000"/>
+                  </a:schemeClr>
+                </a:solidFill>
+                <a:latin typeface="微软雅黑" panose="020B0503020204020204" charset="-122"/>
+                <a:ea typeface="微软雅黑" panose="020B0503020204020204" charset="-122"/>
+              </a:rPr>
+              <a:t>软件导图的绘制</a:t>
+            </a:r>
+            <a:endParaRPr sz="1600" dirty="0">
+              <a:solidFill>
+                <a:schemeClr val="bg1">
+                  <a:lumMod val="50000"/>
+                </a:schemeClr>
+              </a:solidFill>
+              <a:latin typeface="微软雅黑" panose="020B0503020204020204" charset="-122"/>
+              <a:ea typeface="微软雅黑" panose="020B0503020204020204" charset="-122"/>
+            </a:endParaRPr>
+          </a:p>
+          <a:p>
+            <a:pPr lvl="0" algn="l">
+              <a:lnSpc>
+                <a:spcPct val="130000"/>
+              </a:lnSpc>
+            </a:pPr>
+            <a:r>
+              <a:rPr lang="zh-CN" sz="1600" dirty="0">
+                <a:solidFill>
+                  <a:schemeClr val="bg1">
+                    <a:lumMod val="50000"/>
+                  </a:schemeClr>
+                </a:solidFill>
+                <a:latin typeface="微软雅黑" panose="020B0503020204020204" charset="-122"/>
+                <a:ea typeface="微软雅黑" panose="020B0503020204020204" charset="-122"/>
+              </a:rPr>
+              <a:t>负责会议的记录和整理</a:t>
+            </a:r>
+            <a:endParaRPr lang="zh-CN" sz="1600" dirty="0">
               <a:solidFill>
                 <a:schemeClr val="bg1">
                   <a:lumMod val="50000"/>
@@ -14704,7 +15326,7 @@
         </p:nvSpPr>
         <p:spPr>
           <a:xfrm>
-            <a:off x="5369875" y="4055548"/>
+            <a:off x="5369875" y="3736778"/>
             <a:ext cx="1554480" cy="645160"/>
           </a:xfrm>
           <a:prstGeom prst="rect">
@@ -14732,7 +15354,7 @@
         </p:nvSpPr>
         <p:spPr>
           <a:xfrm>
-            <a:off x="9400220" y="4055548"/>
+            <a:off x="9400220" y="3736778"/>
             <a:ext cx="1554480" cy="645160"/>
           </a:xfrm>
           <a:prstGeom prst="rect">
@@ -14769,7 +15391,7 @@
         </p:blipFill>
         <p:spPr>
           <a:xfrm>
-            <a:off x="5343525" y="1874520"/>
+            <a:off x="5343525" y="1555750"/>
             <a:ext cx="1504315" cy="1504315"/>
           </a:xfrm>
           <a:prstGeom prst="rect">
@@ -14793,7 +15415,7 @@
         </p:blipFill>
         <p:spPr>
           <a:xfrm>
-            <a:off x="9338310" y="1878965"/>
+            <a:off x="9338310" y="1560195"/>
             <a:ext cx="1414145" cy="1414145"/>
           </a:xfrm>
           <a:prstGeom prst="rect">
@@ -14821,7 +15443,7 @@
 </p:sld>
 </file>
 
-<file path=ppt/slides/slide18.xml><?xml version="1.0" encoding="utf-8"?>
+<file path=ppt/slides/slide19.xml><?xml version="1.0" encoding="utf-8"?>
 <p:sld xmlns:a="http://schemas.openxmlformats.org/drawingml/2006/main" xmlns:r="http://schemas.openxmlformats.org/officeDocument/2006/relationships" xmlns:p="http://schemas.openxmlformats.org/presentationml/2006/main">
   <p:cSld>
     <p:spTree>
@@ -14846,8 +15468,8 @@
         </p:nvSpPr>
         <p:spPr>
           <a:xfrm>
-            <a:off x="1793700" y="2360410"/>
-            <a:ext cx="8604600" cy="830997"/>
+            <a:off x="2977198" y="2360410"/>
+            <a:ext cx="6237605" cy="829945"/>
           </a:xfrm>
           <a:prstGeom prst="rect">
             <a:avLst/>
@@ -14861,18 +15483,10 @@
           <a:p>
             <a:pPr algn="ctr"/>
             <a:r>
-              <a:rPr lang="en-US" altLang="zh-CN" sz="4800" b="1" dirty="0"/>
-              <a:t>THANK </a:t>
+              <a:rPr lang="zh-CN" altLang="en-US" sz="4800" b="1" dirty="0"/>
+              <a:t>非 常 感 谢 您 的 观 看</a:t>
             </a:r>
-            <a:r>
-              <a:rPr lang="en-US" altLang="zh-CN" sz="4800" b="1" dirty="0" smtClean="0"/>
-              <a:t>YOU FOR </a:t>
-            </a:r>
-            <a:r>
-              <a:rPr lang="en-US" altLang="zh-CN" sz="4800" b="1" dirty="0"/>
-              <a:t>WATCHING</a:t>
-            </a:r>
-            <a:endParaRPr lang="en-US" altLang="zh-CN" sz="4800" b="1" dirty="0"/>
+            <a:endParaRPr lang="zh-CN" altLang="en-US" sz="4800" b="1" dirty="0"/>
           </a:p>
         </p:txBody>
       </p:sp>
@@ -14924,46 +15538,13 @@
       </p:sp>
       <p:sp>
         <p:nvSpPr>
-          <p:cNvPr id="12" name="矩形 11"/>
-          <p:cNvSpPr/>
-          <p:nvPr/>
-        </p:nvSpPr>
-        <p:spPr>
-          <a:xfrm>
-            <a:off x="4896505" y="4128161"/>
-            <a:ext cx="2145030" cy="368300"/>
-          </a:xfrm>
-          <a:prstGeom prst="rect">
-            <a:avLst/>
-          </a:prstGeom>
-        </p:spPr>
-        <p:txBody>
-          <a:bodyPr wrap="none">
-            <a:spAutoFit/>
-          </a:bodyPr>
-          <a:lstStyle/>
-          <a:p>
-            <a:r>
-              <a:rPr lang="en-US" altLang="zh-CN" dirty="0"/>
-              <a:t>PRESENTED BY </a:t>
-            </a:r>
-            <a:r>
-              <a:rPr lang="en-US" altLang="zh-CN" dirty="0" smtClean="0"/>
-              <a:t>G06</a:t>
-            </a:r>
-            <a:endParaRPr lang="en-US" altLang="zh-CN" dirty="0"/>
-          </a:p>
-        </p:txBody>
-      </p:sp>
-      <p:sp>
-        <p:nvSpPr>
           <p:cNvPr id="14" name="矩形 13"/>
           <p:cNvSpPr/>
           <p:nvPr/>
         </p:nvSpPr>
         <p:spPr>
           <a:xfrm>
-            <a:off x="4754033" y="3416407"/>
+            <a:off x="4753398" y="3853922"/>
             <a:ext cx="2683933" cy="584200"/>
           </a:xfrm>
           <a:prstGeom prst="rect">
@@ -15002,33 +15583,65 @@
           <a:p>
             <a:pPr algn="ctr"/>
             <a:r>
-              <a:rPr lang="zh-CN" altLang="en-US" sz="1400" dirty="0" smtClean="0">
+              <a:rPr lang="zh-CN" altLang="en-US" sz="2400" dirty="0" smtClean="0">
+                <a:ln/>
                 <a:solidFill>
                   <a:schemeClr val="tx1"/>
                 </a:solidFill>
+                <a:effectLst>
+                  <a:outerShdw blurRad="38100" dist="19050" dir="2700000" algn="tl" rotWithShape="0">
+                    <a:schemeClr val="dk1">
+                      <a:alpha val="40000"/>
+                    </a:schemeClr>
+                  </a:outerShdw>
+                </a:effectLst>
               </a:rPr>
               <a:t>报告人：</a:t>
             </a:r>
             <a:r>
-              <a:rPr lang="en-US" sz="1400" dirty="0" smtClean="0">
+              <a:rPr lang="en-US" sz="2400" dirty="0" smtClean="0">
+                <a:ln/>
                 <a:solidFill>
                   <a:schemeClr val="tx1"/>
                 </a:solidFill>
+                <a:effectLst>
+                  <a:outerShdw blurRad="38100" dist="19050" dir="2700000" algn="tl" rotWithShape="0">
+                    <a:schemeClr val="dk1">
+                      <a:alpha val="40000"/>
+                    </a:schemeClr>
+                  </a:outerShdw>
+                </a:effectLst>
               </a:rPr>
               <a:t>G06</a:t>
             </a:r>
             <a:r>
-              <a:rPr lang="zh-CN" altLang="en-US" sz="1400" dirty="0" smtClean="0">
+              <a:rPr lang="zh-CN" altLang="en-US" sz="2400" dirty="0" smtClean="0">
+                <a:ln/>
                 <a:solidFill>
                   <a:schemeClr val="tx1"/>
                 </a:solidFill>
+                <a:effectLst>
+                  <a:outerShdw blurRad="38100" dist="19050" dir="2700000" algn="tl" rotWithShape="0">
+                    <a:schemeClr val="dk1">
+                      <a:alpha val="40000"/>
+                    </a:schemeClr>
+                  </a:outerShdw>
+                </a:effectLst>
               </a:rPr>
               <a:t>小组</a:t>
             </a:r>
-            <a:endParaRPr lang="zh-CN" altLang="en-US" sz="1400" dirty="0" smtClean="0">
+            <a:endParaRPr lang="zh-CN" altLang="en-US" sz="2400" dirty="0" smtClean="0">
+              <a:ln/>
               <a:solidFill>
                 <a:schemeClr val="tx1"/>
               </a:solidFill>
+              <a:effectLst>
+                <a:outerShdw blurRad="38100" dist="19050" dir="2700000" algn="tl" rotWithShape="0">
+                  <a:schemeClr val="dk1">
+                    <a:alpha val="40000"/>
+                  </a:schemeClr>
+                </a:outerShdw>
+              </a:effectLst>
             </a:endParaRPr>
           </a:p>
         </p:txBody>
@@ -18869,43 +19482,6 @@
       </p:sp>
       <p:sp>
         <p:nvSpPr>
-          <p:cNvPr id="6" name="矩形 5"/>
-          <p:cNvSpPr/>
-          <p:nvPr/>
-        </p:nvSpPr>
-        <p:spPr>
-          <a:xfrm>
-            <a:off x="950374" y="2041041"/>
-            <a:ext cx="2421890" cy="521970"/>
-          </a:xfrm>
-          <a:prstGeom prst="rect">
-            <a:avLst/>
-          </a:prstGeom>
-        </p:spPr>
-        <p:txBody>
-          <a:bodyPr wrap="none">
-            <a:spAutoFit/>
-          </a:bodyPr>
-          <a:lstStyle/>
-          <a:p>
-            <a:r>
-              <a:rPr lang="zh-CN" altLang="en-US" sz="2800" dirty="0"/>
-              <a:t>后</a:t>
-            </a:r>
-            <a:r>
-              <a:rPr lang="en-US" altLang="zh-CN" sz="2800" dirty="0"/>
-              <a:t>......</a:t>
-            </a:r>
-            <a:r>
-              <a:rPr lang="zh-CN" altLang="en-US" sz="2800" dirty="0"/>
-              <a:t>无来者？</a:t>
-            </a:r>
-            <a:endParaRPr lang="zh-CN" altLang="en-US" sz="2800" dirty="0"/>
-          </a:p>
-        </p:txBody>
-      </p:sp>
-      <p:sp>
-        <p:nvSpPr>
           <p:cNvPr id="7" name="矩形 6"/>
           <p:cNvSpPr/>
           <p:nvPr/>
@@ -18970,7 +19546,7 @@
         </p:blipFill>
         <p:spPr>
           <a:xfrm>
-            <a:off x="177800" y="2819400"/>
+            <a:off x="177800" y="2592070"/>
             <a:ext cx="7967980" cy="2457450"/>
           </a:xfrm>
           <a:prstGeom prst="rect">
@@ -18999,6 +19575,230 @@
 </file>
 
 <file path=ppt/slides/slide7.xml><?xml version="1.0" encoding="utf-8"?>
+<p:sld xmlns:a="http://schemas.openxmlformats.org/drawingml/2006/main" xmlns:r="http://schemas.openxmlformats.org/officeDocument/2006/relationships" xmlns:p="http://schemas.openxmlformats.org/presentationml/2006/main">
+  <p:cSld>
+    <p:spTree>
+      <p:nvGrpSpPr>
+        <p:cNvPr id="1" name=""/>
+        <p:cNvGrpSpPr/>
+        <p:nvPr/>
+      </p:nvGrpSpPr>
+      <p:grpSpPr>
+        <a:xfrm>
+          <a:off x="0" y="0"/>
+          <a:ext cx="0" cy="0"/>
+          <a:chOff x="0" y="0"/>
+          <a:chExt cx="0" cy="0"/>
+        </a:xfrm>
+      </p:grpSpPr>
+      <p:sp>
+        <p:nvSpPr>
+          <p:cNvPr id="2" name="矩形 1"/>
+          <p:cNvSpPr/>
+          <p:nvPr/>
+        </p:nvSpPr>
+        <p:spPr>
+          <a:xfrm>
+            <a:off x="0" y="60523"/>
+            <a:ext cx="1801495" cy="306705"/>
+          </a:xfrm>
+          <a:prstGeom prst="rect">
+            <a:avLst/>
+          </a:prstGeom>
+        </p:spPr>
+        <p:txBody>
+          <a:bodyPr wrap="none">
+            <a:spAutoFit/>
+          </a:bodyPr>
+          <a:lstStyle/>
+          <a:p>
+            <a:r>
+              <a:rPr lang="en-US" altLang="zh-CN" sz="1400" b="1" dirty="0"/>
+              <a:t>PART </a:t>
+            </a:r>
+            <a:r>
+              <a:rPr lang="en-US" altLang="zh-CN" sz="1400" b="1" dirty="0" smtClean="0"/>
+              <a:t>ONE </a:t>
+            </a:r>
+            <a:r>
+              <a:rPr lang="zh-CN" altLang="en-US" sz="1400" b="1" dirty="0" smtClean="0"/>
+              <a:t>项目背景</a:t>
+            </a:r>
+            <a:endParaRPr lang="zh-CN" altLang="en-US" sz="1400" b="1" dirty="0"/>
+          </a:p>
+        </p:txBody>
+      </p:sp>
+      <p:sp>
+        <p:nvSpPr>
+          <p:cNvPr id="3" name="椭圆 2"/>
+          <p:cNvSpPr/>
+          <p:nvPr/>
+        </p:nvSpPr>
+        <p:spPr>
+          <a:xfrm>
+            <a:off x="1757150" y="157740"/>
+            <a:ext cx="130917" cy="113341"/>
+          </a:xfrm>
+          <a:prstGeom prst="ellipse">
+            <a:avLst/>
+          </a:prstGeom>
+          <a:solidFill>
+            <a:srgbClr val="FF0000"/>
+          </a:solidFill>
+          <a:ln>
+            <a:noFill/>
+          </a:ln>
+        </p:spPr>
+        <p:style>
+          <a:lnRef idx="2">
+            <a:schemeClr val="accent1">
+              <a:shade val="50000"/>
+            </a:schemeClr>
+          </a:lnRef>
+          <a:fillRef idx="1">
+            <a:schemeClr val="accent1"/>
+          </a:fillRef>
+          <a:effectRef idx="0">
+            <a:schemeClr val="accent1"/>
+          </a:effectRef>
+          <a:fontRef idx="minor">
+            <a:schemeClr val="lt1"/>
+          </a:fontRef>
+        </p:style>
+        <p:txBody>
+          <a:bodyPr rot="0" spcFirstLastPara="0" vertOverflow="overflow" horzOverflow="overflow" vert="horz" wrap="square" lIns="91440" tIns="45720" rIns="91440" bIns="45720" numCol="1" spcCol="0" rtlCol="0" fromWordArt="0" anchor="ctr" anchorCtr="0" forceAA="0" compatLnSpc="1">
+            <a:noAutofit/>
+          </a:bodyPr>
+          <a:lstStyle/>
+          <a:p>
+            <a:pPr algn="ctr"/>
+            <a:endParaRPr lang="zh-CN" altLang="en-US" sz="4400"/>
+          </a:p>
+        </p:txBody>
+      </p:sp>
+      <p:sp>
+        <p:nvSpPr>
+          <p:cNvPr id="7" name="矩形 6"/>
+          <p:cNvSpPr/>
+          <p:nvPr/>
+        </p:nvSpPr>
+        <p:spPr>
+          <a:xfrm>
+            <a:off x="859926" y="6207097"/>
+            <a:ext cx="6550312" cy="370840"/>
+          </a:xfrm>
+          <a:prstGeom prst="rect">
+            <a:avLst/>
+          </a:prstGeom>
+        </p:spPr>
+        <p:txBody>
+          <a:bodyPr wrap="square">
+            <a:spAutoFit/>
+          </a:bodyPr>
+          <a:lstStyle/>
+          <a:p>
+            <a:pPr>
+              <a:lnSpc>
+                <a:spcPct val="130000"/>
+              </a:lnSpc>
+            </a:pPr>
+            <a:r>
+              <a:rPr lang="zh-CN" sz="1400" dirty="0">
+                <a:solidFill>
+                  <a:schemeClr val="bg1">
+                    <a:lumMod val="50000"/>
+                  </a:schemeClr>
+                </a:solidFill>
+                <a:latin typeface="微软雅黑" panose="020B0503020204020204" charset="-122"/>
+                <a:ea typeface="微软雅黑" panose="020B0503020204020204" charset="-122"/>
+              </a:rPr>
+              <a:t>资料来源：https://blog.csdn.net/a496401006/article/details/103903131</a:t>
+            </a:r>
+            <a:endParaRPr lang="zh-CN" sz="1400" dirty="0">
+              <a:solidFill>
+                <a:schemeClr val="bg1">
+                  <a:lumMod val="50000"/>
+                </a:schemeClr>
+              </a:solidFill>
+              <a:latin typeface="微软雅黑" panose="020B0503020204020204" charset="-122"/>
+              <a:ea typeface="微软雅黑" panose="020B0503020204020204" charset="-122"/>
+            </a:endParaRPr>
+          </a:p>
+        </p:txBody>
+      </p:sp>
+      <p:pic>
+        <p:nvPicPr>
+          <p:cNvPr id="6" name="图片 5"/>
+          <p:cNvPicPr>
+            <a:picLocks noChangeAspect="1"/>
+          </p:cNvPicPr>
+          <p:nvPr>
+            <p:custDataLst>
+              <p:tags r:id="rId1"/>
+            </p:custDataLst>
+          </p:nvPr>
+        </p:nvPicPr>
+        <p:blipFill>
+          <a:blip r:embed="rId2"/>
+          <a:stretch>
+            <a:fillRect/>
+          </a:stretch>
+        </p:blipFill>
+        <p:spPr>
+          <a:xfrm>
+            <a:off x="721995" y="626110"/>
+            <a:ext cx="2519680" cy="5461000"/>
+          </a:xfrm>
+          <a:prstGeom prst="rect">
+            <a:avLst/>
+          </a:prstGeom>
+        </p:spPr>
+      </p:pic>
+      <p:pic>
+        <p:nvPicPr>
+          <p:cNvPr id="8" name="图片 7"/>
+          <p:cNvPicPr>
+            <a:picLocks noChangeAspect="1"/>
+          </p:cNvPicPr>
+          <p:nvPr/>
+        </p:nvPicPr>
+        <p:blipFill>
+          <a:blip r:embed="rId3"/>
+          <a:stretch>
+            <a:fillRect/>
+          </a:stretch>
+        </p:blipFill>
+        <p:spPr>
+          <a:xfrm>
+            <a:off x="4549775" y="626110"/>
+            <a:ext cx="2515235" cy="5450205"/>
+          </a:xfrm>
+          <a:prstGeom prst="rect">
+            <a:avLst/>
+          </a:prstGeom>
+        </p:spPr>
+      </p:pic>
+    </p:spTree>
+  </p:cSld>
+  <p:clrMapOvr>
+    <a:masterClrMapping/>
+  </p:clrMapOvr>
+  <mc:AlternateContent xmlns:mc="http://schemas.openxmlformats.org/markup-compatibility/2006">
+    <mc:Choice xmlns:p14="http://schemas.microsoft.com/office/powerpoint/2010/main" Requires="p14">
+      <p:transition spd="med" p14:dur="700">
+        <p:fade/>
+      </p:transition>
+    </mc:Choice>
+    <mc:Fallback>
+      <p:transition spd="med">
+        <p:fade/>
+      </p:transition>
+    </mc:Fallback>
+  </mc:AlternateContent>
+</p:sld>
+</file>
+
+<file path=ppt/slides/slide8.xml><?xml version="1.0" encoding="utf-8"?>
 <p:sld xmlns:a="http://schemas.openxmlformats.org/drawingml/2006/main" xmlns:r="http://schemas.openxmlformats.org/officeDocument/2006/relationships" xmlns:p="http://schemas.openxmlformats.org/presentationml/2006/main">
   <p:cSld>
     <p:spTree>
@@ -19185,7 +19985,7 @@
 </p:sld>
 </file>
 
-<file path=ppt/slides/slide8.xml><?xml version="1.0" encoding="utf-8"?>
+<file path=ppt/slides/slide9.xml><?xml version="1.0" encoding="utf-8"?>
 <p:sld xmlns:a="http://schemas.openxmlformats.org/drawingml/2006/main" xmlns:r="http://schemas.openxmlformats.org/officeDocument/2006/relationships" xmlns:p="http://schemas.openxmlformats.org/presentationml/2006/main">
   <p:cSld>
     <p:spTree>
@@ -21656,7 +22456,7 @@
         </p:nvGrpSpPr>
         <p:grpSpPr>
           <a:xfrm>
-            <a:off x="1907479" y="4038186"/>
+            <a:off x="1907479" y="4140421"/>
             <a:ext cx="2300757" cy="1589432"/>
             <a:chOff x="1356175" y="1093399"/>
             <a:chExt cx="2300757" cy="1589432"/>
@@ -21925,7 +22725,7 @@
         </p:nvGrpSpPr>
         <p:grpSpPr>
           <a:xfrm>
-            <a:off x="6176434" y="4038186"/>
+            <a:off x="6180879" y="4127721"/>
             <a:ext cx="2300757" cy="1589432"/>
             <a:chOff x="1356175" y="1093399"/>
             <a:chExt cx="2300757" cy="1589432"/>
@@ -23009,205 +23809,10 @@
 </p:sld>
 </file>
 
-<file path=ppt/slides/slide9.xml><?xml version="1.0" encoding="utf-8"?>
-<p:sld xmlns:a="http://schemas.openxmlformats.org/drawingml/2006/main" xmlns:r="http://schemas.openxmlformats.org/officeDocument/2006/relationships" xmlns:p="http://schemas.openxmlformats.org/presentationml/2006/main">
-  <p:cSld>
-    <p:spTree>
-      <p:nvGrpSpPr>
-        <p:cNvPr id="1" name=""/>
-        <p:cNvGrpSpPr/>
-        <p:nvPr/>
-      </p:nvGrpSpPr>
-      <p:grpSpPr>
-        <a:xfrm>
-          <a:off x="0" y="0"/>
-          <a:ext cx="0" cy="0"/>
-          <a:chOff x="0" y="0"/>
-          <a:chExt cx="0" cy="0"/>
-        </a:xfrm>
-      </p:grpSpPr>
-      <p:sp>
-        <p:nvSpPr>
-          <p:cNvPr id="2" name="文本框 1"/>
-          <p:cNvSpPr txBox="1"/>
-          <p:nvPr/>
-        </p:nvSpPr>
-        <p:spPr>
-          <a:xfrm>
-            <a:off x="4294927" y="3280457"/>
-            <a:ext cx="3602146" cy="880306"/>
-          </a:xfrm>
-          <a:prstGeom prst="rect">
-            <a:avLst/>
-          </a:prstGeom>
-          <a:noFill/>
-        </p:spPr>
-        <p:txBody>
-          <a:bodyPr wrap="square" rtlCol="0">
-            <a:spAutoFit/>
-          </a:bodyPr>
-          <a:lstStyle/>
-          <a:p>
-            <a:pPr algn="ctr" defTabSz="608965">
-              <a:lnSpc>
-                <a:spcPct val="130000"/>
-              </a:lnSpc>
-            </a:pPr>
-            <a:r>
-              <a:rPr lang="en-US" altLang="zh-CN" sz="4400" b="1" dirty="0">
-                <a:latin typeface="+mj-lt"/>
-                <a:ea typeface="微软雅黑" panose="020B0503020204020204" charset="-122"/>
-              </a:rPr>
-              <a:t>PART</a:t>
-            </a:r>
-            <a:r>
-              <a:rPr lang="zh-CN" altLang="en-US" sz="4400" b="1" dirty="0">
-                <a:latin typeface="+mj-lt"/>
-                <a:ea typeface="微软雅黑" panose="020B0503020204020204" charset="-122"/>
-              </a:rPr>
-              <a:t> </a:t>
-            </a:r>
-            <a:r>
-              <a:rPr lang="en-US" altLang="zh-CN" sz="4400" b="1" dirty="0">
-                <a:latin typeface="+mj-lt"/>
-                <a:ea typeface="微软雅黑" panose="020B0503020204020204" charset="-122"/>
-              </a:rPr>
-              <a:t>THREE</a:t>
-            </a:r>
-            <a:endParaRPr lang="en-US" altLang="zh-CN" sz="4400" b="1" dirty="0">
-              <a:latin typeface="+mj-lt"/>
-              <a:ea typeface="微软雅黑" panose="020B0503020204020204" charset="-122"/>
-            </a:endParaRPr>
-          </a:p>
-        </p:txBody>
-      </p:sp>
-      <p:sp>
-        <p:nvSpPr>
-          <p:cNvPr id="3" name="文本框 2"/>
-          <p:cNvSpPr txBox="1"/>
-          <p:nvPr/>
-        </p:nvSpPr>
-        <p:spPr>
-          <a:xfrm>
-            <a:off x="3936733" y="2417412"/>
-            <a:ext cx="4318534" cy="1291590"/>
-          </a:xfrm>
-          <a:prstGeom prst="rect">
-            <a:avLst/>
-          </a:prstGeom>
-          <a:noFill/>
-        </p:spPr>
-        <p:txBody>
-          <a:bodyPr wrap="square" rtlCol="0">
-            <a:spAutoFit/>
-          </a:bodyPr>
-          <a:lstStyle/>
-          <a:p>
-            <a:pPr algn="ctr" defTabSz="608965">
-              <a:lnSpc>
-                <a:spcPct val="130000"/>
-              </a:lnSpc>
-            </a:pPr>
-            <a:r>
-              <a:rPr lang="zh-CN" altLang="en-US" sz="6000" dirty="0" smtClean="0">
-                <a:latin typeface="+mj-lt"/>
-                <a:ea typeface="微软雅黑" panose="020B0503020204020204" charset="-122"/>
-              </a:rPr>
-              <a:t>功能导图</a:t>
-            </a:r>
-            <a:endParaRPr lang="zh-CN" altLang="en-US" sz="6000" dirty="0">
-              <a:latin typeface="+mj-lt"/>
-              <a:ea typeface="微软雅黑" panose="020B0503020204020204" charset="-122"/>
-            </a:endParaRPr>
-          </a:p>
-        </p:txBody>
-      </p:sp>
-      <p:sp>
-        <p:nvSpPr>
-          <p:cNvPr id="4" name="矩形 3"/>
-          <p:cNvSpPr/>
-          <p:nvPr/>
-        </p:nvSpPr>
-        <p:spPr>
-          <a:xfrm>
-            <a:off x="4889817" y="4139690"/>
-            <a:ext cx="2412366" cy="113341"/>
-          </a:xfrm>
-          <a:prstGeom prst="rect">
-            <a:avLst/>
-          </a:prstGeom>
-          <a:solidFill>
-            <a:srgbClr val="FFFF00"/>
-          </a:solidFill>
-          <a:ln>
-            <a:noFill/>
-          </a:ln>
-        </p:spPr>
-        <p:style>
-          <a:lnRef idx="2">
-            <a:schemeClr val="accent1">
-              <a:shade val="50000"/>
-            </a:schemeClr>
-          </a:lnRef>
-          <a:fillRef idx="1">
-            <a:schemeClr val="accent1"/>
-          </a:fillRef>
-          <a:effectRef idx="0">
-            <a:schemeClr val="accent1"/>
-          </a:effectRef>
-          <a:fontRef idx="minor">
-            <a:schemeClr val="lt1"/>
-          </a:fontRef>
-        </p:style>
-        <p:txBody>
-          <a:bodyPr rot="0" spcFirstLastPara="0" vertOverflow="overflow" horzOverflow="overflow" vert="horz" wrap="square" lIns="91440" tIns="45720" rIns="91440" bIns="45720" numCol="1" spcCol="0" rtlCol="0" fromWordArt="0" anchor="ctr" anchorCtr="0" forceAA="0" compatLnSpc="1">
-            <a:noAutofit/>
-          </a:bodyPr>
-          <a:lstStyle/>
-          <a:p>
-            <a:pPr algn="ctr"/>
-            <a:endParaRPr lang="zh-CN" altLang="en-US" sz="4400"/>
-          </a:p>
-        </p:txBody>
-      </p:sp>
-      <p:sp>
-        <p:nvSpPr>
-          <p:cNvPr id="5" name="矩形 4"/>
-          <p:cNvSpPr/>
-          <p:nvPr/>
-        </p:nvSpPr>
-        <p:spPr>
-          <a:xfrm>
-            <a:off x="0" y="60523"/>
-            <a:ext cx="1249680" cy="306705"/>
-          </a:xfrm>
-          <a:prstGeom prst="rect">
-            <a:avLst/>
-          </a:prstGeom>
-        </p:spPr>
-        <p:txBody>
-          <a:bodyPr wrap="none">
-            <a:spAutoFit/>
-          </a:bodyPr>
-          <a:lstStyle/>
-          <a:p>
-            <a:r>
-              <a:rPr lang="zh-CN" sz="1400" b="1" dirty="0"/>
-              <a:t>浙大城市学院</a:t>
-            </a:r>
-            <a:endParaRPr lang="zh-CN" sz="1400" b="1" dirty="0"/>
-          </a:p>
-        </p:txBody>
-      </p:sp>
-    </p:spTree>
-  </p:cSld>
-  <p:clrMapOvr>
-    <a:masterClrMapping/>
-  </p:clrMapOvr>
-  <p:transition spd="slow">
-    <p:push dir="u"/>
-  </p:transition>
-</p:sld>
+<file path=ppt/tags/tag1.xml><?xml version="1.0" encoding="utf-8"?>
+<p:tagLst xmlns:p="http://schemas.openxmlformats.org/presentationml/2006/main">
+  <p:tag name="KSO_WM_UNIT_PLACING_PICTURE_USER_VIEWPORT" val="{&quot;height&quot;:28080,&quot;width&quot;:12960}"/>
+</p:tagLst>
 </file>
 
 <file path=ppt/theme/theme1.xml><?xml version="1.0" encoding="utf-8"?>
